--- a/Hack_present - 2.pptx
+++ b/Hack_present - 2.pptx
@@ -158,6 +158,7 @@
           </a:p>
         </c:rich>
       </c:tx>
+      <c:layout/>
       <c:overlay val="0"/>
       <c:spPr>
         <a:noFill/>
@@ -261,6 +262,7 @@
             <c:showLeaderLines val="0"/>
             <c:extLst>
               <c:ext xmlns:c15="http://schemas.microsoft.com/office/drawing/2012/chart" uri="{CE6537A1-D6FC-4f65-9D91-7224C49458BB}">
+                <c15:layout/>
                 <c15:showLeaderLines val="1"/>
                 <c15:leaderLines>
                   <c:spPr>
@@ -397,6 +399,7 @@
             <c:showLeaderLines val="0"/>
             <c:extLst>
               <c:ext xmlns:c15="http://schemas.microsoft.com/office/drawing/2012/chart" uri="{CE6537A1-D6FC-4f65-9D91-7224C49458BB}">
+                <c15:layout/>
                 <c15:showLeaderLines val="1"/>
                 <c15:leaderLines>
                   <c:spPr>
@@ -600,6 +603,7 @@
     </c:plotArea>
     <c:legend>
       <c:legendPos val="b"/>
+      <c:layout/>
       <c:overlay val="0"/>
       <c:spPr>
         <a:noFill/>
@@ -7092,7 +7096,7 @@
         </p:nvSpPr>
         <p:spPr>
           <a:xfrm>
-            <a:off x="845127" y="2425953"/>
+            <a:off x="845127" y="1976005"/>
             <a:ext cx="5221406" cy="2369920"/>
           </a:xfrm>
         </p:spPr>
@@ -7106,8 +7110,22 @@
               <a:rPr lang="ru-RU" dirty="0" smtClean="0">
                 <a:latin typeface="+mj-lt"/>
               </a:rPr>
-              <a:t>Внедрение интеллектуальной системы для улучшения сферы услуг</a:t>
-            </a:r>
+              <a:t>Внедрение интеллектуальной системы для улучшения сферы </a:t>
+            </a:r>
+            <a:r>
+              <a:rPr lang="ru-RU" dirty="0" smtClean="0">
+                <a:latin typeface="+mj-lt"/>
+              </a:rPr>
+              <a:t>услуг</a:t>
+            </a:r>
+            <a:endParaRPr lang="en-US" dirty="0" smtClean="0">
+              <a:latin typeface="+mj-lt"/>
+            </a:endParaRPr>
+          </a:p>
+          <a:p>
+            <a:endParaRPr lang="ru-RU" dirty="0" smtClean="0">
+              <a:latin typeface="+mj-lt"/>
+            </a:endParaRPr>
           </a:p>
         </p:txBody>
       </p:sp>
@@ -7607,7 +7625,7 @@
       </p:sp>
       <p:pic>
         <p:nvPicPr>
-          <p:cNvPr id="4" name="Объект 3"/>
+          <p:cNvPr id="6" name="Объект 5"/>
           <p:cNvPicPr>
             <a:picLocks noGrp="1" noChangeAspect="1"/>
           </p:cNvPicPr>
@@ -7629,8 +7647,8 @@
         </p:blipFill>
         <p:spPr>
           <a:xfrm>
-            <a:off x="1522351" y="3866481"/>
-            <a:ext cx="9161151" cy="2558328"/>
+            <a:off x="861231" y="2512515"/>
+            <a:ext cx="10483392" cy="2480398"/>
           </a:xfrm>
         </p:spPr>
       </p:pic>

--- a/Hack_present - 2.pptx
+++ b/Hack_present - 2.pptx
@@ -10,8 +10,9 @@
     <p:sldId id="257" r:id="rId4"/>
     <p:sldId id="258" r:id="rId5"/>
     <p:sldId id="262" r:id="rId6"/>
-    <p:sldId id="260" r:id="rId7"/>
+    <p:sldId id="263" r:id="rId7"/>
     <p:sldId id="261" r:id="rId8"/>
+    <p:sldId id="260" r:id="rId9"/>
   </p:sldIdLst>
   <p:sldSz cx="12192000" cy="6858000"/>
   <p:notesSz cx="6858000" cy="9144000"/>
@@ -6971,7 +6972,7 @@
         </p:nvSpPr>
         <p:spPr>
           <a:xfrm>
-            <a:off x="425450" y="1275222"/>
+            <a:off x="425450" y="1231680"/>
             <a:ext cx="11341100" cy="2725278"/>
           </a:xfrm>
         </p:spPr>
@@ -6983,7 +6984,23 @@
           <a:p>
             <a:r>
               <a:rPr lang="ru-RU" dirty="0" smtClean="0"/>
-              <a:t>Сервис статистического анализа для улучшения сферы услуг</a:t>
+              <a:t>Сервис </a:t>
+            </a:r>
+            <a:r>
+              <a:rPr lang="ru-RU" dirty="0" smtClean="0"/>
+              <a:t>по </a:t>
+            </a:r>
+            <a:r>
+              <a:rPr lang="ru-RU" dirty="0" smtClean="0"/>
+              <a:t>предоставлению </a:t>
+            </a:r>
+            <a:r>
+              <a:rPr lang="ru-RU" dirty="0" smtClean="0"/>
+              <a:t>статистических данных в сфере </a:t>
+            </a:r>
+            <a:r>
+              <a:rPr lang="ru-RU" dirty="0" smtClean="0"/>
+              <a:t>услуг</a:t>
             </a:r>
             <a:endParaRPr lang="ru-RU" dirty="0"/>
           </a:p>
@@ -7096,33 +7113,105 @@
         </p:nvSpPr>
         <p:spPr>
           <a:xfrm>
-            <a:off x="845127" y="1976005"/>
-            <a:ext cx="5221406" cy="2369920"/>
+            <a:off x="825414" y="1737853"/>
+            <a:ext cx="5808290" cy="4561348"/>
           </a:xfrm>
         </p:spPr>
         <p:txBody>
           <a:bodyPr>
-            <a:normAutofit/>
+            <a:normAutofit lnSpcReduction="10000"/>
           </a:bodyPr>
           <a:lstStyle/>
           <a:p>
+            <a:pPr marL="0" indent="0">
+              <a:buNone/>
+            </a:pPr>
             <a:r>
               <a:rPr lang="ru-RU" dirty="0" smtClean="0">
                 <a:latin typeface="+mj-lt"/>
               </a:rPr>
-              <a:t>Внедрение интеллектуальной системы для улучшения сферы </a:t>
-            </a:r>
+              <a:t>Сбор статистических данных:</a:t>
+            </a:r>
+          </a:p>
+          <a:p>
             <a:r>
               <a:rPr lang="ru-RU" dirty="0" smtClean="0">
                 <a:latin typeface="+mj-lt"/>
               </a:rPr>
-              <a:t>услуг</a:t>
+              <a:t>Возраст</a:t>
+            </a:r>
+          </a:p>
+          <a:p>
+            <a:r>
+              <a:rPr lang="ru-RU" dirty="0" smtClean="0">
+                <a:latin typeface="+mj-lt"/>
+              </a:rPr>
+              <a:t>Пол</a:t>
+            </a:r>
+          </a:p>
+          <a:p>
+            <a:r>
+              <a:rPr lang="ru-RU" dirty="0" smtClean="0">
+                <a:latin typeface="+mj-lt"/>
+              </a:rPr>
+              <a:t>Дата посещения</a:t>
+            </a:r>
+          </a:p>
+          <a:p>
+            <a:r>
+              <a:rPr lang="ru-RU" dirty="0" smtClean="0">
+                <a:latin typeface="+mj-lt"/>
+              </a:rPr>
+              <a:t>Время входа</a:t>
+            </a:r>
+          </a:p>
+          <a:p>
+            <a:r>
+              <a:rPr lang="ru-RU" dirty="0" smtClean="0">
+                <a:latin typeface="+mj-lt"/>
+              </a:rPr>
+              <a:t>Время выхода</a:t>
+            </a:r>
+          </a:p>
+          <a:p>
+            <a:r>
+              <a:rPr lang="ru-RU" dirty="0" smtClean="0">
+                <a:latin typeface="+mj-lt"/>
+              </a:rPr>
+              <a:t>Товары </a:t>
+            </a:r>
+            <a:endParaRPr lang="ru-RU" dirty="0" smtClean="0">
+              <a:latin typeface="+mj-lt"/>
+            </a:endParaRPr>
+          </a:p>
+          <a:p>
+            <a:r>
+              <a:rPr lang="ru-RU" dirty="0" smtClean="0">
+                <a:latin typeface="+mj-lt"/>
+              </a:rPr>
+              <a:t>Предоставленные услуги</a:t>
+            </a:r>
+          </a:p>
+          <a:p>
+            <a:r>
+              <a:rPr lang="ru-RU" dirty="0" smtClean="0">
+                <a:latin typeface="+mj-lt"/>
+              </a:rPr>
+              <a:t>Количества людей в помещении</a:t>
             </a:r>
             <a:endParaRPr lang="en-US" dirty="0" smtClean="0">
               <a:latin typeface="+mj-lt"/>
             </a:endParaRPr>
           </a:p>
           <a:p>
+            <a:pPr marL="0" indent="0">
+              <a:buNone/>
+            </a:pPr>
+            <a:endParaRPr lang="en-US" dirty="0" smtClean="0">
+              <a:latin typeface="+mj-lt"/>
+            </a:endParaRPr>
+          </a:p>
+          <a:p>
             <a:endParaRPr lang="ru-RU" dirty="0" smtClean="0">
               <a:latin typeface="+mj-lt"/>
             </a:endParaRPr>
@@ -7131,7 +7220,7 @@
       </p:sp>
       <p:pic>
         <p:nvPicPr>
-          <p:cNvPr id="7" name="Рисунок 6"/>
+          <p:cNvPr id="5" name="Рисунок 4"/>
           <p:cNvPicPr>
             <a:picLocks noChangeAspect="1"/>
           </p:cNvPicPr>
@@ -7151,14 +7240,262 @@
         </p:blipFill>
         <p:spPr>
           <a:xfrm>
-            <a:off x="6228095" y="1992833"/>
-            <a:ext cx="5132632" cy="3404646"/>
+            <a:off x="7740744" y="921119"/>
+            <a:ext cx="3619983" cy="5265430"/>
           </a:xfrm>
           <a:prstGeom prst="rect">
             <a:avLst/>
           </a:prstGeom>
         </p:spPr>
       </p:pic>
+      <p:sp>
+        <p:nvSpPr>
+          <p:cNvPr id="6" name="TextBox 5"/>
+          <p:cNvSpPr txBox="1"/>
+          <p:nvPr/>
+        </p:nvSpPr>
+        <p:spPr>
+          <a:xfrm>
+            <a:off x="8207293" y="1593470"/>
+            <a:ext cx="1200970" cy="461665"/>
+          </a:xfrm>
+          <a:prstGeom prst="rect">
+            <a:avLst/>
+          </a:prstGeom>
+          <a:noFill/>
+        </p:spPr>
+        <p:txBody>
+          <a:bodyPr wrap="none" rtlCol="0">
+            <a:spAutoFit/>
+          </a:bodyPr>
+          <a:lstStyle/>
+          <a:p>
+            <a:r>
+              <a:rPr lang="ru-RU" sz="2400" dirty="0" smtClean="0">
+                <a:latin typeface="+mj-lt"/>
+              </a:rPr>
+              <a:t>Возраст</a:t>
+            </a:r>
+            <a:endParaRPr lang="ru-RU" sz="2400" dirty="0">
+              <a:latin typeface="+mj-lt"/>
+            </a:endParaRPr>
+          </a:p>
+        </p:txBody>
+      </p:sp>
+      <p:sp>
+        <p:nvSpPr>
+          <p:cNvPr id="8" name="TextBox 7"/>
+          <p:cNvSpPr txBox="1"/>
+          <p:nvPr/>
+        </p:nvSpPr>
+        <p:spPr>
+          <a:xfrm>
+            <a:off x="9025626" y="2209600"/>
+            <a:ext cx="688715" cy="461665"/>
+          </a:xfrm>
+          <a:prstGeom prst="rect">
+            <a:avLst/>
+          </a:prstGeom>
+          <a:noFill/>
+        </p:spPr>
+        <p:txBody>
+          <a:bodyPr wrap="none" rtlCol="0">
+            <a:spAutoFit/>
+          </a:bodyPr>
+          <a:lstStyle/>
+          <a:p>
+            <a:r>
+              <a:rPr lang="ru-RU" sz="2400" dirty="0" smtClean="0">
+                <a:latin typeface="+mj-lt"/>
+              </a:rPr>
+              <a:t>Пол</a:t>
+            </a:r>
+            <a:endParaRPr lang="ru-RU" sz="2400" dirty="0">
+              <a:latin typeface="+mj-lt"/>
+            </a:endParaRPr>
+          </a:p>
+        </p:txBody>
+      </p:sp>
+      <p:sp>
+        <p:nvSpPr>
+          <p:cNvPr id="9" name="TextBox 8"/>
+          <p:cNvSpPr txBox="1"/>
+          <p:nvPr/>
+        </p:nvSpPr>
+        <p:spPr>
+          <a:xfrm>
+            <a:off x="9156592" y="1284909"/>
+            <a:ext cx="1097095" cy="461665"/>
+          </a:xfrm>
+          <a:prstGeom prst="rect">
+            <a:avLst/>
+          </a:prstGeom>
+          <a:noFill/>
+        </p:spPr>
+        <p:txBody>
+          <a:bodyPr wrap="none" rtlCol="0">
+            <a:spAutoFit/>
+          </a:bodyPr>
+          <a:lstStyle/>
+          <a:p>
+            <a:r>
+              <a:rPr lang="ru-RU" sz="2400" dirty="0" smtClean="0">
+                <a:latin typeface="+mj-lt"/>
+              </a:rPr>
+              <a:t>Услуги </a:t>
+            </a:r>
+            <a:endParaRPr lang="ru-RU" sz="2400" dirty="0">
+              <a:latin typeface="+mj-lt"/>
+            </a:endParaRPr>
+          </a:p>
+        </p:txBody>
+      </p:sp>
+      <p:sp>
+        <p:nvSpPr>
+          <p:cNvPr id="10" name="TextBox 9"/>
+          <p:cNvSpPr txBox="1"/>
+          <p:nvPr/>
+        </p:nvSpPr>
+        <p:spPr>
+          <a:xfrm>
+            <a:off x="9574302" y="1785016"/>
+            <a:ext cx="1131335" cy="461665"/>
+          </a:xfrm>
+          <a:prstGeom prst="rect">
+            <a:avLst/>
+          </a:prstGeom>
+          <a:noFill/>
+        </p:spPr>
+        <p:txBody>
+          <a:bodyPr wrap="none" rtlCol="0">
+            <a:spAutoFit/>
+          </a:bodyPr>
+          <a:lstStyle/>
+          <a:p>
+            <a:r>
+              <a:rPr lang="ru-RU" sz="2400" dirty="0" smtClean="0">
+                <a:latin typeface="+mj-lt"/>
+              </a:rPr>
+              <a:t>Товары</a:t>
+            </a:r>
+            <a:endParaRPr lang="ru-RU" sz="2400" dirty="0">
+              <a:latin typeface="+mj-lt"/>
+            </a:endParaRPr>
+          </a:p>
+        </p:txBody>
+      </p:sp>
+      <p:sp>
+        <p:nvSpPr>
+          <p:cNvPr id="11" name="TextBox 10"/>
+          <p:cNvSpPr txBox="1"/>
+          <p:nvPr/>
+        </p:nvSpPr>
+        <p:spPr>
+          <a:xfrm>
+            <a:off x="7936413" y="5355552"/>
+            <a:ext cx="3275777" cy="830997"/>
+          </a:xfrm>
+          <a:prstGeom prst="rect">
+            <a:avLst/>
+          </a:prstGeom>
+          <a:noFill/>
+        </p:spPr>
+        <p:txBody>
+          <a:bodyPr wrap="square" rtlCol="0">
+            <a:spAutoFit/>
+          </a:bodyPr>
+          <a:lstStyle/>
+          <a:p>
+            <a:pPr algn="ctr"/>
+            <a:r>
+              <a:rPr lang="ru-RU" sz="2400" dirty="0" smtClean="0">
+                <a:solidFill>
+                  <a:schemeClr val="bg1"/>
+                </a:solidFill>
+                <a:latin typeface="+mj-lt"/>
+              </a:rPr>
+              <a:t>Повышение качества предоставляемых услуг</a:t>
+            </a:r>
+            <a:endParaRPr lang="ru-RU" sz="2400" dirty="0">
+              <a:solidFill>
+                <a:schemeClr val="bg1"/>
+              </a:solidFill>
+              <a:latin typeface="+mj-lt"/>
+            </a:endParaRPr>
+          </a:p>
+        </p:txBody>
+      </p:sp>
+      <p:cxnSp>
+        <p:nvCxnSpPr>
+          <p:cNvPr id="12" name="Прямая соединительная линия 11"/>
+          <p:cNvCxnSpPr/>
+          <p:nvPr/>
+        </p:nvCxnSpPr>
+        <p:spPr>
+          <a:xfrm>
+            <a:off x="9832479" y="3427579"/>
+            <a:ext cx="862283" cy="13648"/>
+          </a:xfrm>
+          <a:prstGeom prst="line">
+            <a:avLst/>
+          </a:prstGeom>
+          <a:ln>
+            <a:solidFill>
+              <a:schemeClr val="accent1">
+                <a:lumMod val="50000"/>
+              </a:schemeClr>
+            </a:solidFill>
+          </a:ln>
+        </p:spPr>
+        <p:style>
+          <a:lnRef idx="1">
+            <a:schemeClr val="accent1"/>
+          </a:lnRef>
+          <a:fillRef idx="0">
+            <a:schemeClr val="accent1"/>
+          </a:fillRef>
+          <a:effectRef idx="0">
+            <a:schemeClr val="accent1"/>
+          </a:effectRef>
+          <a:fontRef idx="minor">
+            <a:schemeClr val="tx1"/>
+          </a:fontRef>
+        </p:style>
+      </p:cxnSp>
+      <p:sp>
+        <p:nvSpPr>
+          <p:cNvPr id="13" name="TextBox 12"/>
+          <p:cNvSpPr txBox="1"/>
+          <p:nvPr/>
+        </p:nvSpPr>
+        <p:spPr>
+          <a:xfrm>
+            <a:off x="10705637" y="3242913"/>
+            <a:ext cx="1569982" cy="461665"/>
+          </a:xfrm>
+          <a:prstGeom prst="rect">
+            <a:avLst/>
+          </a:prstGeom>
+          <a:noFill/>
+        </p:spPr>
+        <p:txBody>
+          <a:bodyPr wrap="none" rtlCol="0">
+            <a:spAutoFit/>
+          </a:bodyPr>
+          <a:lstStyle/>
+          <a:p>
+            <a:r>
+              <a:rPr lang="ru-RU" sz="2400" dirty="0" smtClean="0">
+                <a:latin typeface="+mj-lt"/>
+              </a:rPr>
+              <a:t>Аналитика</a:t>
+            </a:r>
+            <a:endParaRPr lang="ru-RU" sz="2400" dirty="0">
+              <a:latin typeface="+mj-lt"/>
+            </a:endParaRPr>
+          </a:p>
+        </p:txBody>
+      </p:sp>
     </p:spTree>
     <p:extLst>
       <p:ext uri="{BB962C8B-B14F-4D97-AF65-F5344CB8AC3E}">
@@ -7231,13 +7568,13 @@
         </p:nvSpPr>
         <p:spPr>
           <a:xfrm>
-            <a:off x="622300" y="2613025"/>
-            <a:ext cx="6640773" cy="2350590"/>
+            <a:off x="622300" y="1691322"/>
+            <a:ext cx="6640773" cy="3940221"/>
           </a:xfrm>
         </p:spPr>
         <p:txBody>
           <a:bodyPr>
-            <a:normAutofit fontScale="92500"/>
+            <a:normAutofit lnSpcReduction="10000"/>
           </a:bodyPr>
           <a:lstStyle/>
           <a:p>
@@ -7267,297 +7604,63 @@
               <a:rPr lang="ru-RU" dirty="0" smtClean="0">
                 <a:latin typeface="+mj-lt"/>
               </a:rPr>
-              <a:t>Анализ возраста и пола целевой аудитории</a:t>
-            </a:r>
-          </a:p>
-          <a:p>
+              <a:t>Анализ возраста и пола целевой </a:t>
+            </a:r>
             <a:r>
               <a:rPr lang="ru-RU" dirty="0" smtClean="0">
                 <a:latin typeface="+mj-lt"/>
               </a:rPr>
-              <a:t>Получение статистики посещаемости</a:t>
-            </a:r>
-          </a:p>
-          <a:p>
-            <a:endParaRPr lang="ru-RU" dirty="0">
+              <a:t>аудитории</a:t>
+            </a:r>
+          </a:p>
+          <a:p>
+            <a:r>
+              <a:rPr lang="ru-RU" dirty="0" smtClean="0">
+                <a:latin typeface="+mj-lt"/>
+              </a:rPr>
+              <a:t>Фиксирование даты и времени входа и выхода посетителя</a:t>
+            </a:r>
+            <a:endParaRPr lang="ru-RU" dirty="0" smtClean="0">
               <a:latin typeface="+mj-lt"/>
             </a:endParaRPr>
           </a:p>
-        </p:txBody>
-      </p:sp>
-      <p:pic>
-        <p:nvPicPr>
-          <p:cNvPr id="4" name="Рисунок 3"/>
-          <p:cNvPicPr>
-            <a:picLocks noChangeAspect="1"/>
-          </p:cNvPicPr>
-          <p:nvPr/>
-        </p:nvPicPr>
-        <p:blipFill>
-          <a:blip r:embed="rId2">
-            <a:extLst>
-              <a:ext uri="{28A0092B-C50C-407E-A947-70E740481C1C}">
-                <a14:useLocalDpi xmlns:a14="http://schemas.microsoft.com/office/drawing/2010/main" val="0"/>
-              </a:ext>
-            </a:extLst>
-          </a:blip>
-          <a:stretch>
-            <a:fillRect/>
-          </a:stretch>
-        </p:blipFill>
-        <p:spPr>
-          <a:xfrm>
-            <a:off x="7740744" y="921119"/>
-            <a:ext cx="3619983" cy="5265430"/>
-          </a:xfrm>
-          <a:prstGeom prst="rect">
-            <a:avLst/>
-          </a:prstGeom>
-        </p:spPr>
-      </p:pic>
-      <p:sp>
-        <p:nvSpPr>
-          <p:cNvPr id="8" name="TextBox 7"/>
-          <p:cNvSpPr txBox="1"/>
-          <p:nvPr/>
-        </p:nvSpPr>
-        <p:spPr>
-          <a:xfrm>
-            <a:off x="8207293" y="1593470"/>
-            <a:ext cx="1200970" cy="461665"/>
-          </a:xfrm>
-          <a:prstGeom prst="rect">
-            <a:avLst/>
-          </a:prstGeom>
-          <a:noFill/>
-        </p:spPr>
-        <p:txBody>
-          <a:bodyPr wrap="none" rtlCol="0">
-            <a:spAutoFit/>
-          </a:bodyPr>
-          <a:lstStyle/>
-          <a:p>
-            <a:r>
-              <a:rPr lang="ru-RU" sz="2400" dirty="0" smtClean="0">
+          <a:p>
+            <a:r>
+              <a:rPr lang="ru-RU" dirty="0" smtClean="0">
                 <a:latin typeface="+mj-lt"/>
               </a:rPr>
-              <a:t>Возраст</a:t>
-            </a:r>
-            <a:endParaRPr lang="ru-RU" sz="2400" dirty="0">
+              <a:t>Получение статистики </a:t>
+            </a:r>
+            <a:r>
+              <a:rPr lang="ru-RU" dirty="0" smtClean="0">
+                <a:latin typeface="+mj-lt"/>
+              </a:rPr>
+              <a:t>посещаемости</a:t>
+            </a:r>
+          </a:p>
+          <a:p>
+            <a:r>
+              <a:rPr lang="ru-RU" smtClean="0">
+                <a:latin typeface="+mj-lt"/>
+              </a:rPr>
+              <a:t>Предсказание посещаемости</a:t>
+            </a:r>
+            <a:endParaRPr lang="ru-RU" dirty="0" smtClean="0">
               <a:latin typeface="+mj-lt"/>
             </a:endParaRPr>
           </a:p>
-        </p:txBody>
-      </p:sp>
-      <p:sp>
-        <p:nvSpPr>
-          <p:cNvPr id="9" name="TextBox 8"/>
-          <p:cNvSpPr txBox="1"/>
-          <p:nvPr/>
-        </p:nvSpPr>
-        <p:spPr>
-          <a:xfrm>
-            <a:off x="9025626" y="2209600"/>
-            <a:ext cx="688715" cy="461665"/>
-          </a:xfrm>
-          <a:prstGeom prst="rect">
-            <a:avLst/>
-          </a:prstGeom>
-          <a:noFill/>
-        </p:spPr>
-        <p:txBody>
-          <a:bodyPr wrap="none" rtlCol="0">
-            <a:spAutoFit/>
-          </a:bodyPr>
-          <a:lstStyle/>
-          <a:p>
-            <a:r>
-              <a:rPr lang="ru-RU" sz="2400" dirty="0" smtClean="0">
-                <a:latin typeface="+mj-lt"/>
-              </a:rPr>
-              <a:t>Пол</a:t>
-            </a:r>
-            <a:endParaRPr lang="ru-RU" sz="2400" dirty="0">
+          <a:p>
+            <a:endParaRPr lang="ru-RU" dirty="0" smtClean="0">
               <a:latin typeface="+mj-lt"/>
             </a:endParaRPr>
           </a:p>
-        </p:txBody>
-      </p:sp>
-      <p:sp>
-        <p:nvSpPr>
-          <p:cNvPr id="10" name="TextBox 9"/>
-          <p:cNvSpPr txBox="1"/>
-          <p:nvPr/>
-        </p:nvSpPr>
-        <p:spPr>
-          <a:xfrm>
-            <a:off x="9156592" y="1284909"/>
-            <a:ext cx="1097095" cy="461665"/>
-          </a:xfrm>
-          <a:prstGeom prst="rect">
-            <a:avLst/>
-          </a:prstGeom>
-          <a:noFill/>
-        </p:spPr>
-        <p:txBody>
-          <a:bodyPr wrap="none" rtlCol="0">
-            <a:spAutoFit/>
-          </a:bodyPr>
-          <a:lstStyle/>
-          <a:p>
-            <a:r>
-              <a:rPr lang="ru-RU" sz="2400" dirty="0" smtClean="0">
-                <a:latin typeface="+mj-lt"/>
-              </a:rPr>
-              <a:t>Услуги </a:t>
-            </a:r>
-            <a:endParaRPr lang="ru-RU" sz="2400" dirty="0">
+          <a:p>
+            <a:endParaRPr lang="ru-RU" dirty="0" smtClean="0">
               <a:latin typeface="+mj-lt"/>
             </a:endParaRPr>
           </a:p>
-        </p:txBody>
-      </p:sp>
-      <p:sp>
-        <p:nvSpPr>
-          <p:cNvPr id="11" name="TextBox 10"/>
-          <p:cNvSpPr txBox="1"/>
-          <p:nvPr/>
-        </p:nvSpPr>
-        <p:spPr>
-          <a:xfrm>
-            <a:off x="9574302" y="1785016"/>
-            <a:ext cx="1131335" cy="461665"/>
-          </a:xfrm>
-          <a:prstGeom prst="rect">
-            <a:avLst/>
-          </a:prstGeom>
-          <a:noFill/>
-        </p:spPr>
-        <p:txBody>
-          <a:bodyPr wrap="none" rtlCol="0">
-            <a:spAutoFit/>
-          </a:bodyPr>
-          <a:lstStyle/>
-          <a:p>
-            <a:r>
-              <a:rPr lang="ru-RU" sz="2400" dirty="0" smtClean="0">
-                <a:latin typeface="+mj-lt"/>
-              </a:rPr>
-              <a:t>Товары</a:t>
-            </a:r>
-            <a:endParaRPr lang="ru-RU" sz="2400" dirty="0">
-              <a:latin typeface="+mj-lt"/>
-            </a:endParaRPr>
-          </a:p>
-        </p:txBody>
-      </p:sp>
-      <p:sp>
-        <p:nvSpPr>
-          <p:cNvPr id="12" name="TextBox 11"/>
-          <p:cNvSpPr txBox="1"/>
-          <p:nvPr/>
-        </p:nvSpPr>
-        <p:spPr>
-          <a:xfrm>
-            <a:off x="7936413" y="5355552"/>
-            <a:ext cx="3275777" cy="830997"/>
-          </a:xfrm>
-          <a:prstGeom prst="rect">
-            <a:avLst/>
-          </a:prstGeom>
-          <a:noFill/>
-        </p:spPr>
-        <p:txBody>
-          <a:bodyPr wrap="square" rtlCol="0">
-            <a:spAutoFit/>
-          </a:bodyPr>
-          <a:lstStyle/>
-          <a:p>
-            <a:pPr algn="ctr"/>
-            <a:r>
-              <a:rPr lang="ru-RU" sz="2400" dirty="0" smtClean="0">
-                <a:solidFill>
-                  <a:schemeClr val="bg1"/>
-                </a:solidFill>
-                <a:latin typeface="+mj-lt"/>
-              </a:rPr>
-              <a:t>Повышение качества предоставляемых услуг</a:t>
-            </a:r>
-            <a:endParaRPr lang="ru-RU" sz="2400" dirty="0">
-              <a:solidFill>
-                <a:schemeClr val="bg1"/>
-              </a:solidFill>
-              <a:latin typeface="+mj-lt"/>
-            </a:endParaRPr>
-          </a:p>
-        </p:txBody>
-      </p:sp>
-      <p:cxnSp>
-        <p:nvCxnSpPr>
-          <p:cNvPr id="14" name="Прямая соединительная линия 13"/>
-          <p:cNvCxnSpPr/>
-          <p:nvPr/>
-        </p:nvCxnSpPr>
-        <p:spPr>
-          <a:xfrm>
-            <a:off x="9832479" y="3427579"/>
-            <a:ext cx="862283" cy="13648"/>
-          </a:xfrm>
-          <a:prstGeom prst="line">
-            <a:avLst/>
-          </a:prstGeom>
-          <a:ln>
-            <a:solidFill>
-              <a:schemeClr val="accent1">
-                <a:lumMod val="50000"/>
-              </a:schemeClr>
-            </a:solidFill>
-          </a:ln>
-        </p:spPr>
-        <p:style>
-          <a:lnRef idx="1">
-            <a:schemeClr val="accent1"/>
-          </a:lnRef>
-          <a:fillRef idx="0">
-            <a:schemeClr val="accent1"/>
-          </a:fillRef>
-          <a:effectRef idx="0">
-            <a:schemeClr val="accent1"/>
-          </a:effectRef>
-          <a:fontRef idx="minor">
-            <a:schemeClr val="tx1"/>
-          </a:fontRef>
-        </p:style>
-      </p:cxnSp>
-      <p:sp>
-        <p:nvSpPr>
-          <p:cNvPr id="15" name="TextBox 14"/>
-          <p:cNvSpPr txBox="1"/>
-          <p:nvPr/>
-        </p:nvSpPr>
-        <p:spPr>
-          <a:xfrm>
-            <a:off x="10705637" y="3242913"/>
-            <a:ext cx="1569982" cy="461665"/>
-          </a:xfrm>
-          <a:prstGeom prst="rect">
-            <a:avLst/>
-          </a:prstGeom>
-          <a:noFill/>
-        </p:spPr>
-        <p:txBody>
-          <a:bodyPr wrap="none" rtlCol="0">
-            <a:spAutoFit/>
-          </a:bodyPr>
-          <a:lstStyle/>
-          <a:p>
-            <a:r>
-              <a:rPr lang="ru-RU" sz="2400" dirty="0" smtClean="0">
-                <a:latin typeface="+mj-lt"/>
-              </a:rPr>
-              <a:t>Аналитика</a:t>
-            </a:r>
-            <a:endParaRPr lang="ru-RU" sz="2400" dirty="0">
+          <a:p>
+            <a:endParaRPr lang="ru-RU" dirty="0">
               <a:latin typeface="+mj-lt"/>
             </a:endParaRPr>
           </a:p>
@@ -7647,7 +7750,7 @@
         </p:blipFill>
         <p:spPr>
           <a:xfrm>
-            <a:off x="861231" y="2512515"/>
+            <a:off x="861231" y="2425431"/>
             <a:ext cx="10483392" cy="2480398"/>
           </a:xfrm>
         </p:spPr>
@@ -7667,6 +7770,322 @@
 
 <file path=ppt/slides/slide5.xml><?xml version="1.0" encoding="utf-8"?>
 <p:sld xmlns:a="http://schemas.openxmlformats.org/drawingml/2006/main" xmlns:r="http://schemas.openxmlformats.org/officeDocument/2006/relationships" xmlns:p="http://schemas.openxmlformats.org/presentationml/2006/main">
+  <p:cSld>
+    <p:spTree>
+      <p:nvGrpSpPr>
+        <p:cNvPr id="1" name=""/>
+        <p:cNvGrpSpPr/>
+        <p:nvPr/>
+      </p:nvGrpSpPr>
+      <p:grpSpPr>
+        <a:xfrm>
+          <a:off x="0" y="0"/>
+          <a:ext cx="0" cy="0"/>
+          <a:chOff x="0" y="0"/>
+          <a:chExt cx="0" cy="0"/>
+        </a:xfrm>
+      </p:grpSpPr>
+      <p:sp>
+        <p:nvSpPr>
+          <p:cNvPr id="2" name="Заголовок 1"/>
+          <p:cNvSpPr>
+            <a:spLocks noGrp="1"/>
+          </p:cNvSpPr>
+          <p:nvPr>
+            <p:ph type="title"/>
+          </p:nvPr>
+        </p:nvSpPr>
+        <p:spPr/>
+        <p:txBody>
+          <a:bodyPr/>
+          <a:lstStyle/>
+          <a:p>
+            <a:r>
+              <a:rPr lang="ru-RU" dirty="0" smtClean="0"/>
+              <a:t>Демонстрация</a:t>
+            </a:r>
+            <a:endParaRPr lang="ru-RU" dirty="0"/>
+          </a:p>
+        </p:txBody>
+      </p:sp>
+      <p:sp>
+        <p:nvSpPr>
+          <p:cNvPr id="3" name="Объект 2"/>
+          <p:cNvSpPr>
+            <a:spLocks noGrp="1"/>
+          </p:cNvSpPr>
+          <p:nvPr>
+            <p:ph idx="1"/>
+          </p:nvPr>
+        </p:nvSpPr>
+        <p:spPr/>
+        <p:txBody>
+          <a:bodyPr/>
+          <a:lstStyle/>
+          <a:p>
+            <a:endParaRPr lang="ru-RU"/>
+          </a:p>
+        </p:txBody>
+      </p:sp>
+    </p:spTree>
+    <p:extLst>
+      <p:ext uri="{BB962C8B-B14F-4D97-AF65-F5344CB8AC3E}">
+        <p14:creationId xmlns:p14="http://schemas.microsoft.com/office/powerpoint/2010/main" val="1562386491"/>
+      </p:ext>
+    </p:extLst>
+  </p:cSld>
+  <p:clrMapOvr>
+    <a:masterClrMapping/>
+  </p:clrMapOvr>
+</p:sld>
+</file>
+
+<file path=ppt/slides/slide6.xml><?xml version="1.0" encoding="utf-8"?>
+<p:sld xmlns:a="http://schemas.openxmlformats.org/drawingml/2006/main" xmlns:r="http://schemas.openxmlformats.org/officeDocument/2006/relationships" xmlns:p="http://schemas.openxmlformats.org/presentationml/2006/main">
+  <p:cSld>
+    <p:spTree>
+      <p:nvGrpSpPr>
+        <p:cNvPr id="1" name=""/>
+        <p:cNvGrpSpPr/>
+        <p:nvPr/>
+      </p:nvGrpSpPr>
+      <p:grpSpPr>
+        <a:xfrm>
+          <a:off x="0" y="0"/>
+          <a:ext cx="0" cy="0"/>
+          <a:chOff x="0" y="0"/>
+          <a:chExt cx="0" cy="0"/>
+        </a:xfrm>
+      </p:grpSpPr>
+      <p:sp>
+        <p:nvSpPr>
+          <p:cNvPr id="2" name="Заголовок 1"/>
+          <p:cNvSpPr>
+            <a:spLocks noGrp="1"/>
+          </p:cNvSpPr>
+          <p:nvPr>
+            <p:ph type="title"/>
+          </p:nvPr>
+        </p:nvSpPr>
+        <p:spPr/>
+        <p:txBody>
+          <a:bodyPr/>
+          <a:lstStyle/>
+          <a:p>
+            <a:r>
+              <a:rPr lang="ru-RU" dirty="0" smtClean="0"/>
+              <a:t>Анализ целевой аудитории</a:t>
+            </a:r>
+            <a:endParaRPr lang="ru-RU" dirty="0"/>
+          </a:p>
+        </p:txBody>
+      </p:sp>
+      <p:sp>
+        <p:nvSpPr>
+          <p:cNvPr id="5" name="Прямоугольник 4"/>
+          <p:cNvSpPr/>
+          <p:nvPr/>
+        </p:nvSpPr>
+        <p:spPr>
+          <a:xfrm>
+            <a:off x="1473958" y="1690688"/>
+            <a:ext cx="4831307" cy="2308106"/>
+          </a:xfrm>
+          <a:prstGeom prst="rect">
+            <a:avLst/>
+          </a:prstGeom>
+        </p:spPr>
+        <p:style>
+          <a:lnRef idx="2">
+            <a:schemeClr val="accent3"/>
+          </a:lnRef>
+          <a:fillRef idx="1">
+            <a:schemeClr val="lt1"/>
+          </a:fillRef>
+          <a:effectRef idx="0">
+            <a:schemeClr val="accent3"/>
+          </a:effectRef>
+          <a:fontRef idx="minor">
+            <a:schemeClr val="dk1"/>
+          </a:fontRef>
+        </p:style>
+        <p:txBody>
+          <a:bodyPr rtlCol="0" anchor="ctr"/>
+          <a:lstStyle/>
+          <a:p>
+            <a:pPr algn="ctr"/>
+            <a:r>
+              <a:rPr lang="ru-RU" dirty="0" smtClean="0"/>
+              <a:t>Количество людей по категориям</a:t>
+            </a:r>
+            <a:endParaRPr lang="ru-RU" dirty="0"/>
+          </a:p>
+        </p:txBody>
+      </p:sp>
+      <p:sp>
+        <p:nvSpPr>
+          <p:cNvPr id="6" name="Овал 5"/>
+          <p:cNvSpPr/>
+          <p:nvPr/>
+        </p:nvSpPr>
+        <p:spPr>
+          <a:xfrm>
+            <a:off x="7997587" y="1419366"/>
+            <a:ext cx="2579428" cy="2579428"/>
+          </a:xfrm>
+          <a:prstGeom prst="ellipse">
+            <a:avLst/>
+          </a:prstGeom>
+          <a:ln>
+            <a:solidFill>
+              <a:schemeClr val="accent1">
+                <a:lumMod val="60000"/>
+                <a:lumOff val="40000"/>
+              </a:schemeClr>
+            </a:solidFill>
+          </a:ln>
+        </p:spPr>
+        <p:style>
+          <a:lnRef idx="2">
+            <a:schemeClr val="accent3"/>
+          </a:lnRef>
+          <a:fillRef idx="1">
+            <a:schemeClr val="lt1"/>
+          </a:fillRef>
+          <a:effectRef idx="0">
+            <a:schemeClr val="accent3"/>
+          </a:effectRef>
+          <a:fontRef idx="minor">
+            <a:schemeClr val="dk1"/>
+          </a:fontRef>
+        </p:style>
+        <p:txBody>
+          <a:bodyPr rtlCol="0" anchor="ctr"/>
+          <a:lstStyle/>
+          <a:p>
+            <a:pPr algn="ctr"/>
+            <a:endParaRPr lang="ru-RU"/>
+          </a:p>
+        </p:txBody>
+      </p:sp>
+      <p:graphicFrame>
+        <p:nvGraphicFramePr>
+          <p:cNvPr id="10" name="Диаграмма 9"/>
+          <p:cNvGraphicFramePr/>
+          <p:nvPr>
+            <p:extLst>
+              <p:ext uri="{D42A27DB-BD31-4B8C-83A1-F6EECF244321}">
+                <p14:modId xmlns:p14="http://schemas.microsoft.com/office/powerpoint/2010/main" val="1040910059"/>
+              </p:ext>
+            </p:extLst>
+          </p:nvPr>
+        </p:nvGraphicFramePr>
+        <p:xfrm>
+          <a:off x="1050878" y="4218792"/>
+          <a:ext cx="10302921" cy="2334408"/>
+        </p:xfrm>
+        <a:graphic>
+          <a:graphicData uri="http://schemas.openxmlformats.org/drawingml/2006/chart">
+            <c:chart xmlns:c="http://schemas.openxmlformats.org/drawingml/2006/chart" xmlns:r="http://schemas.openxmlformats.org/officeDocument/2006/relationships" r:id="rId2"/>
+          </a:graphicData>
+        </a:graphic>
+      </p:graphicFrame>
+      <p:cxnSp>
+        <p:nvCxnSpPr>
+          <p:cNvPr id="12" name="Прямая соединительная линия 11"/>
+          <p:cNvCxnSpPr>
+            <a:stCxn id="6" idx="7"/>
+          </p:cNvCxnSpPr>
+          <p:nvPr/>
+        </p:nvCxnSpPr>
+        <p:spPr>
+          <a:xfrm flipH="1">
+            <a:off x="9287301" y="1797114"/>
+            <a:ext cx="911966" cy="911966"/>
+          </a:xfrm>
+          <a:prstGeom prst="line">
+            <a:avLst/>
+          </a:prstGeom>
+          <a:ln>
+            <a:solidFill>
+              <a:srgbClr val="E76376"/>
+            </a:solidFill>
+          </a:ln>
+        </p:spPr>
+        <p:style>
+          <a:lnRef idx="3">
+            <a:schemeClr val="accent2"/>
+          </a:lnRef>
+          <a:fillRef idx="0">
+            <a:schemeClr val="accent2"/>
+          </a:fillRef>
+          <a:effectRef idx="2">
+            <a:schemeClr val="accent2"/>
+          </a:effectRef>
+          <a:fontRef idx="minor">
+            <a:schemeClr val="tx1"/>
+          </a:fontRef>
+        </p:style>
+      </p:cxnSp>
+      <p:cxnSp>
+        <p:nvCxnSpPr>
+          <p:cNvPr id="14" name="Прямая соединительная линия 13"/>
+          <p:cNvCxnSpPr>
+            <a:stCxn id="6" idx="6"/>
+          </p:cNvCxnSpPr>
+          <p:nvPr/>
+        </p:nvCxnSpPr>
+        <p:spPr>
+          <a:xfrm flipH="1">
+            <a:off x="9287301" y="2709080"/>
+            <a:ext cx="1289714" cy="0"/>
+          </a:xfrm>
+          <a:prstGeom prst="line">
+            <a:avLst/>
+          </a:prstGeom>
+          <a:ln>
+            <a:solidFill>
+              <a:srgbClr val="E76376"/>
+            </a:solidFill>
+          </a:ln>
+        </p:spPr>
+        <p:style>
+          <a:lnRef idx="3">
+            <a:schemeClr val="accent3"/>
+          </a:lnRef>
+          <a:fillRef idx="0">
+            <a:schemeClr val="accent3"/>
+          </a:fillRef>
+          <a:effectRef idx="2">
+            <a:schemeClr val="accent3"/>
+          </a:effectRef>
+          <a:fontRef idx="minor">
+            <a:schemeClr val="tx1"/>
+          </a:fontRef>
+        </p:style>
+      </p:cxnSp>
+    </p:spTree>
+    <p:extLst>
+      <p:ext uri="{BB962C8B-B14F-4D97-AF65-F5344CB8AC3E}">
+        <p14:creationId xmlns:p14="http://schemas.microsoft.com/office/powerpoint/2010/main" val="1965330898"/>
+      </p:ext>
+    </p:extLst>
+  </p:cSld>
+  <p:clrMapOvr>
+    <a:masterClrMapping/>
+  </p:clrMapOvr>
+  <p:timing>
+    <p:tnLst>
+      <p:par>
+        <p:cTn id="1" dur="indefinite" restart="never" nodeType="tmRoot"/>
+      </p:par>
+    </p:tnLst>
+  </p:timing>
+</p:sld>
+</file>
+
+<file path=ppt/slides/slide7.xml><?xml version="1.0" encoding="utf-8"?>
+<p:sld xmlns:a="http://schemas.openxmlformats.org/drawingml/2006/main" xmlns:r="http://schemas.openxmlformats.org/officeDocument/2006/relationships" xmlns:p="http://schemas.openxmlformats.org/presentationml/2006/main" show="0">
   <p:cSld>
     <p:spTree>
       <p:nvGrpSpPr>
@@ -7859,250 +8278,14 @@
   <p:clrMapOvr>
     <a:masterClrMapping/>
   </p:clrMapOvr>
-  <p:timing>
-    <p:tnLst>
-      <p:par>
-        <p:cTn id="1" dur="indefinite" restart="never" nodeType="tmRoot"/>
-      </p:par>
-    </p:tnLst>
-  </p:timing>
-</p:sld>
-</file>
-
-<file path=ppt/slides/slide6.xml><?xml version="1.0" encoding="utf-8"?>
-<p:sld xmlns:a="http://schemas.openxmlformats.org/drawingml/2006/main" xmlns:r="http://schemas.openxmlformats.org/officeDocument/2006/relationships" xmlns:p="http://schemas.openxmlformats.org/presentationml/2006/main">
-  <p:cSld>
-    <p:spTree>
-      <p:nvGrpSpPr>
-        <p:cNvPr id="1" name=""/>
-        <p:cNvGrpSpPr/>
-        <p:nvPr/>
-      </p:nvGrpSpPr>
-      <p:grpSpPr>
-        <a:xfrm>
-          <a:off x="0" y="0"/>
-          <a:ext cx="0" cy="0"/>
-          <a:chOff x="0" y="0"/>
-          <a:chExt cx="0" cy="0"/>
-        </a:xfrm>
-      </p:grpSpPr>
-      <p:sp>
-        <p:nvSpPr>
-          <p:cNvPr id="2" name="Заголовок 1"/>
-          <p:cNvSpPr>
-            <a:spLocks noGrp="1"/>
-          </p:cNvSpPr>
-          <p:nvPr>
-            <p:ph type="title"/>
-          </p:nvPr>
-        </p:nvSpPr>
-        <p:spPr/>
-        <p:txBody>
-          <a:bodyPr/>
-          <a:lstStyle/>
-          <a:p>
-            <a:r>
-              <a:rPr lang="ru-RU" dirty="0" smtClean="0"/>
-              <a:t>Анализ целевой аудитории</a:t>
-            </a:r>
-            <a:endParaRPr lang="ru-RU" dirty="0"/>
-          </a:p>
-        </p:txBody>
-      </p:sp>
-      <p:sp>
-        <p:nvSpPr>
-          <p:cNvPr id="5" name="Прямоугольник 4"/>
-          <p:cNvSpPr/>
-          <p:nvPr/>
-        </p:nvSpPr>
-        <p:spPr>
-          <a:xfrm>
-            <a:off x="1473958" y="1690688"/>
-            <a:ext cx="4831307" cy="2308106"/>
-          </a:xfrm>
-          <a:prstGeom prst="rect">
-            <a:avLst/>
-          </a:prstGeom>
-        </p:spPr>
-        <p:style>
-          <a:lnRef idx="2">
-            <a:schemeClr val="accent3"/>
-          </a:lnRef>
-          <a:fillRef idx="1">
-            <a:schemeClr val="lt1"/>
-          </a:fillRef>
-          <a:effectRef idx="0">
-            <a:schemeClr val="accent3"/>
-          </a:effectRef>
-          <a:fontRef idx="minor">
-            <a:schemeClr val="dk1"/>
-          </a:fontRef>
-        </p:style>
-        <p:txBody>
-          <a:bodyPr rtlCol="0" anchor="ctr"/>
-          <a:lstStyle/>
-          <a:p>
-            <a:pPr algn="ctr"/>
-            <a:r>
-              <a:rPr lang="ru-RU" dirty="0" smtClean="0"/>
-              <a:t>Количество людей по категориям</a:t>
-            </a:r>
-            <a:endParaRPr lang="ru-RU" dirty="0"/>
-          </a:p>
-        </p:txBody>
-      </p:sp>
-      <p:sp>
-        <p:nvSpPr>
-          <p:cNvPr id="6" name="Овал 5"/>
-          <p:cNvSpPr/>
-          <p:nvPr/>
-        </p:nvSpPr>
-        <p:spPr>
-          <a:xfrm>
-            <a:off x="7997587" y="1419366"/>
-            <a:ext cx="2579428" cy="2579428"/>
-          </a:xfrm>
-          <a:prstGeom prst="ellipse">
-            <a:avLst/>
-          </a:prstGeom>
-          <a:ln>
-            <a:solidFill>
-              <a:schemeClr val="accent1">
-                <a:lumMod val="60000"/>
-                <a:lumOff val="40000"/>
-              </a:schemeClr>
-            </a:solidFill>
-          </a:ln>
-        </p:spPr>
-        <p:style>
-          <a:lnRef idx="2">
-            <a:schemeClr val="accent3"/>
-          </a:lnRef>
-          <a:fillRef idx="1">
-            <a:schemeClr val="lt1"/>
-          </a:fillRef>
-          <a:effectRef idx="0">
-            <a:schemeClr val="accent3"/>
-          </a:effectRef>
-          <a:fontRef idx="minor">
-            <a:schemeClr val="dk1"/>
-          </a:fontRef>
-        </p:style>
-        <p:txBody>
-          <a:bodyPr rtlCol="0" anchor="ctr"/>
-          <a:lstStyle/>
-          <a:p>
-            <a:pPr algn="ctr"/>
-            <a:endParaRPr lang="ru-RU"/>
-          </a:p>
-        </p:txBody>
-      </p:sp>
-      <p:graphicFrame>
-        <p:nvGraphicFramePr>
-          <p:cNvPr id="10" name="Диаграмма 9"/>
-          <p:cNvGraphicFramePr/>
-          <p:nvPr>
-            <p:extLst>
-              <p:ext uri="{D42A27DB-BD31-4B8C-83A1-F6EECF244321}">
-                <p14:modId xmlns:p14="http://schemas.microsoft.com/office/powerpoint/2010/main" val="1040910059"/>
-              </p:ext>
-            </p:extLst>
-          </p:nvPr>
-        </p:nvGraphicFramePr>
-        <p:xfrm>
-          <a:off x="1050878" y="4218792"/>
-          <a:ext cx="10302921" cy="2334408"/>
-        </p:xfrm>
-        <a:graphic>
-          <a:graphicData uri="http://schemas.openxmlformats.org/drawingml/2006/chart">
-            <c:chart xmlns:c="http://schemas.openxmlformats.org/drawingml/2006/chart" xmlns:r="http://schemas.openxmlformats.org/officeDocument/2006/relationships" r:id="rId2"/>
-          </a:graphicData>
-        </a:graphic>
-      </p:graphicFrame>
-      <p:cxnSp>
-        <p:nvCxnSpPr>
-          <p:cNvPr id="12" name="Прямая соединительная линия 11"/>
-          <p:cNvCxnSpPr>
-            <a:stCxn id="6" idx="7"/>
-          </p:cNvCxnSpPr>
-          <p:nvPr/>
-        </p:nvCxnSpPr>
-        <p:spPr>
-          <a:xfrm flipH="1">
-            <a:off x="9287301" y="1797114"/>
-            <a:ext cx="911966" cy="911966"/>
-          </a:xfrm>
-          <a:prstGeom prst="line">
-            <a:avLst/>
-          </a:prstGeom>
-          <a:ln>
-            <a:solidFill>
-              <a:srgbClr val="E76376"/>
-            </a:solidFill>
-          </a:ln>
-        </p:spPr>
-        <p:style>
-          <a:lnRef idx="3">
-            <a:schemeClr val="accent2"/>
-          </a:lnRef>
-          <a:fillRef idx="0">
-            <a:schemeClr val="accent2"/>
-          </a:fillRef>
-          <a:effectRef idx="2">
-            <a:schemeClr val="accent2"/>
-          </a:effectRef>
-          <a:fontRef idx="minor">
-            <a:schemeClr val="tx1"/>
-          </a:fontRef>
-        </p:style>
-      </p:cxnSp>
-      <p:cxnSp>
-        <p:nvCxnSpPr>
-          <p:cNvPr id="14" name="Прямая соединительная линия 13"/>
-          <p:cNvCxnSpPr>
-            <a:stCxn id="6" idx="6"/>
-          </p:cNvCxnSpPr>
-          <p:nvPr/>
-        </p:nvCxnSpPr>
-        <p:spPr>
-          <a:xfrm flipH="1">
-            <a:off x="9287301" y="2709080"/>
-            <a:ext cx="1289714" cy="0"/>
-          </a:xfrm>
-          <a:prstGeom prst="line">
-            <a:avLst/>
-          </a:prstGeom>
-          <a:ln>
-            <a:solidFill>
-              <a:srgbClr val="E76376"/>
-            </a:solidFill>
-          </a:ln>
-        </p:spPr>
-        <p:style>
-          <a:lnRef idx="3">
-            <a:schemeClr val="accent3"/>
-          </a:lnRef>
-          <a:fillRef idx="0">
-            <a:schemeClr val="accent3"/>
-          </a:fillRef>
-          <a:effectRef idx="2">
-            <a:schemeClr val="accent3"/>
-          </a:effectRef>
-          <a:fontRef idx="minor">
-            <a:schemeClr val="tx1"/>
-          </a:fontRef>
-        </p:style>
-      </p:cxnSp>
-    </p:spTree>
-    <p:extLst>
-      <p:ext uri="{BB962C8B-B14F-4D97-AF65-F5344CB8AC3E}">
-        <p14:creationId xmlns:p14="http://schemas.microsoft.com/office/powerpoint/2010/main" val="1965330898"/>
-      </p:ext>
-    </p:extLst>
-  </p:cSld>
-  <p:clrMapOvr>
-    <a:masterClrMapping/>
-  </p:clrMapOvr>
+  <mc:AlternateContent xmlns:mc="http://schemas.openxmlformats.org/markup-compatibility/2006">
+    <mc:Choice xmlns:p14="http://schemas.microsoft.com/office/powerpoint/2010/main" Requires="p14">
+      <p:transition spd="slow" p14:dur="2000"/>
+    </mc:Choice>
+    <mc:Fallback>
+      <p:transition spd="slow"/>
+    </mc:Fallback>
+  </mc:AlternateContent>
   <p:timing>
     <p:tnLst>
       <p:par>
